--- a/src/examples/hello/hello.pptx
+++ b/src/examples/hello/hello.pptx
@@ -2,10 +2,10 @@
 <file path=ppt/presentation.xml><?xml version="1.0" encoding="utf-8"?>
 <p:presentation xmlns:p="http://schemas.openxmlformats.org/presentationml/2006/main" showSpecialPlsOnTitleSld="0">
   <p:sldMasterIdLst>
-    <p:sldMasterId xmlns:r="http://schemas.openxmlformats.org/officeDocument/2006/relationships" id="2147483648" r:id="R17996e9628474242"/>
+    <p:sldMasterId xmlns:r="http://schemas.openxmlformats.org/officeDocument/2006/relationships" id="2147483648" r:id="Rb4c90071df824d45"/>
   </p:sldMasterIdLst>
   <p:sldIdLst>
-    <p:sldId xmlns:r="http://schemas.openxmlformats.org/officeDocument/2006/relationships" id="257" r:id="R6781530697b34b7d"/>
+    <p:sldId xmlns:r="http://schemas.openxmlformats.org/officeDocument/2006/relationships" id="257" r:id="Re27ff1220c43456d"/>
   </p:sldIdLst>
   <p:sldSz cx="9144000" cy="6858000" type="screen4x3"/>
   <p:notesSz cx="6858000" cy="9144000"/>
@@ -47,6 +47,9 @@
             <a:off x="288000" y="288000"/>
             <a:ext cx="8568000" cy="828000"/>
           </a:xfrm>
+          <a:prstGeom xmlns:a="http://schemas.openxmlformats.org/drawingml/2006/main" prst="rect">
+            <a:avLst/>
+          </a:prstGeom>
         </p:spPr>
         <p:txBody>
           <a:bodyPr xmlns:a="http://schemas.openxmlformats.org/drawingml/2006/main">
@@ -74,6 +77,9 @@
             <a:off x="288000" y="1152000"/>
             <a:ext cx="8568000" cy="5094000"/>
           </a:xfrm>
+          <a:prstGeom xmlns:a="http://schemas.openxmlformats.org/drawingml/2006/main" prst="rect">
+            <a:avLst/>
+          </a:prstGeom>
         </p:spPr>
         <p:txBody>
           <a:bodyPr xmlns:a="http://schemas.openxmlformats.org/drawingml/2006/main">
@@ -101,6 +107,9 @@
             <a:off x="8568000" y="6282000"/>
             <a:ext cx="288000" cy="288000"/>
           </a:xfrm>
+          <a:prstGeom xmlns:a="http://schemas.openxmlformats.org/drawingml/2006/main" prst="rect">
+            <a:avLst/>
+          </a:prstGeom>
         </p:spPr>
         <p:txBody>
           <a:bodyPr xmlns:a="http://schemas.openxmlformats.org/drawingml/2006/main" wrap="none"/>
@@ -110,7 +119,7 @@
             </a:lvl1pPr>
           </a:lstStyle>
           <a:p xmlns:a="http://schemas.openxmlformats.org/drawingml/2006/main">
-            <a:fld id="{65810CCF-FF99-49DB-8264-29B2A9A2C0AE}" type="slidenum">
+            <a:fld id="{28B45DEB-9B8E-4D98-8256-B133F8662C00}" type="slidenum">
               <a:t>‹#›</a:t>
             </a:fld>
           </a:p>
@@ -155,6 +164,9 @@
             <a:off x="288000" y="288000"/>
             <a:ext cx="8568000" cy="828000"/>
           </a:xfrm>
+          <a:prstGeom xmlns:a="http://schemas.openxmlformats.org/drawingml/2006/main" prst="rect">
+            <a:avLst/>
+          </a:prstGeom>
         </p:spPr>
         <p:txBody>
           <a:bodyPr xmlns:a="http://schemas.openxmlformats.org/drawingml/2006/main">
@@ -182,6 +194,9 @@
             <a:off x="288000" y="1152000"/>
             <a:ext cx="8568000" cy="5094000"/>
           </a:xfrm>
+          <a:prstGeom xmlns:a="http://schemas.openxmlformats.org/drawingml/2006/main" prst="rect">
+            <a:avLst/>
+          </a:prstGeom>
         </p:spPr>
         <p:txBody>
           <a:bodyPr xmlns:a="http://schemas.openxmlformats.org/drawingml/2006/main">
@@ -209,6 +224,9 @@
             <a:off x="8568000" y="6282000"/>
             <a:ext cx="288000" cy="288000"/>
           </a:xfrm>
+          <a:prstGeom xmlns:a="http://schemas.openxmlformats.org/drawingml/2006/main" prst="rect">
+            <a:avLst/>
+          </a:prstGeom>
         </p:spPr>
         <p:txBody>
           <a:bodyPr xmlns:a="http://schemas.openxmlformats.org/drawingml/2006/main" wrap="none"/>
@@ -218,7 +236,7 @@
             </a:lvl1pPr>
           </a:lstStyle>
           <a:p xmlns:a="http://schemas.openxmlformats.org/drawingml/2006/main">
-            <a:fld id="{65810CCF-FF99-49DB-8264-29B2A9A2C0AE}" type="slidenum">
+            <a:fld id="{28B45DEB-9B8E-4D98-8256-B133F8662C00}" type="slidenum">
               <a:t>‹#›</a:t>
             </a:fld>
           </a:p>
@@ -228,7 +246,7 @@
   </p:cSld>
   <p:clrMap bg1="lt1" tx1="dk1" bg2="lt2" tx2="dk2" accent1="accent1" accent2="accent2" accent3="accent3" accent4="accent4" accent5="accent5" accent6="accent6" hlink="hlink" folHlink="folHlink"/>
   <p:sldLayoutIdLst>
-    <p:sldLayoutId xmlns:r="http://schemas.openxmlformats.org/officeDocument/2006/relationships" id="2147483650" r:id="R84dc55eb7bcc4ec4"/>
+    <p:sldLayoutId xmlns:r="http://schemas.openxmlformats.org/officeDocument/2006/relationships" id="2147483650" r:id="Rd2d032a6f82d4253"/>
   </p:sldLayoutIdLst>
   <p:txStyles>
     <p:titleStyle>
@@ -573,7 +591,7 @@
       </c:txPr>
     </c:legend>
   </c:chart>
-  <c:externalData xmlns:r="http://schemas.openxmlformats.org/officeDocument/2006/relationships" r:id="R538636f3982e4335"/>
+  <c:externalData xmlns:r="http://schemas.openxmlformats.org/officeDocument/2006/relationships" r:id="Raafc1d6afe554115"/>
 </c:chartSpace>
 </file>
 
@@ -611,6 +629,9 @@
             <a:off x="288000" y="288000"/>
             <a:ext cx="8568000" cy="828000"/>
           </a:xfrm>
+          <a:prstGeom xmlns:a="http://schemas.openxmlformats.org/drawingml/2006/main" prst="rect">
+            <a:avLst/>
+          </a:prstGeom>
         </p:spPr>
         <p:txBody>
           <a:bodyPr xmlns:a="http://schemas.openxmlformats.org/drawingml/2006/main">
@@ -641,6 +662,9 @@
             <a:off x="8568000" y="6282000"/>
             <a:ext cx="288000" cy="288000"/>
           </a:xfrm>
+          <a:prstGeom xmlns:a="http://schemas.openxmlformats.org/drawingml/2006/main" prst="rect">
+            <a:avLst/>
+          </a:prstGeom>
         </p:spPr>
         <p:txBody>
           <a:bodyPr xmlns:a="http://schemas.openxmlformats.org/drawingml/2006/main" wrap="none"/>
@@ -650,7 +674,7 @@
             </a:lvl1pPr>
           </a:lstStyle>
           <a:p xmlns:a="http://schemas.openxmlformats.org/drawingml/2006/main">
-            <a:fld id="{65810CCF-FF99-49DB-8264-29B2A9A2C0AE}" type="slidenum">
+            <a:fld id="{28B45DEB-9B8E-4D98-8256-B133F8662C00}" type="slidenum">
               <a:t>‹#›</a:t>
             </a:fld>
           </a:p>
@@ -670,7 +694,7 @@
         </p:xfrm>
         <a:graphic xmlns:a="http://schemas.openxmlformats.org/drawingml/2006/main">
           <a:graphicData uri="http://schemas.openxmlformats.org/drawingml/2006/chart">
-            <c:chart xmlns:r="http://schemas.openxmlformats.org/officeDocument/2006/relationships" xmlns:c="http://schemas.openxmlformats.org/drawingml/2006/chart" r:id="R24a16e789fbe4f4d"/>
+            <c:chart xmlns:r="http://schemas.openxmlformats.org/officeDocument/2006/relationships" xmlns:c="http://schemas.openxmlformats.org/drawingml/2006/chart" r:id="R11788fb780904ab5"/>
           </a:graphicData>
         </a:graphic>
       </p:graphicFrame>
@@ -680,15 +704,14 @@
           <p:cNvSpPr>
             <a:spLocks xmlns:a="http://schemas.openxmlformats.org/drawingml/2006/main" noGrp="1"/>
           </p:cNvSpPr>
-          <p:nvPr>
-            <p:ph type="body"/>
-          </p:nvPr>
+          <p:nvPr/>
         </p:nvSpPr>
         <p:spPr>
           <a:xfrm xmlns:a="http://schemas.openxmlformats.org/drawingml/2006/main">
             <a:off x="288000" y="3699000"/>
             <a:ext cx="8568000" cy="2547000"/>
           </a:xfrm>
+          <a:prstGeom xmlns:a="http://schemas.openxmlformats.org/drawingml/2006/main" prst="rect"/>
         </p:spPr>
         <p:txBody>
           <a:bodyPr xmlns:a="http://schemas.openxmlformats.org/drawingml/2006/main">

--- a/src/examples/hello/hello.pptx
+++ b/src/examples/hello/hello.pptx
@@ -2,10 +2,10 @@
 <file path=ppt/presentation.xml><?xml version="1.0" encoding="utf-8"?>
 <p:presentation xmlns:p="http://schemas.openxmlformats.org/presentationml/2006/main" showSpecialPlsOnTitleSld="0">
   <p:sldMasterIdLst>
-    <p:sldMasterId xmlns:r="http://schemas.openxmlformats.org/officeDocument/2006/relationships" id="2147483648" r:id="Rb4c90071df824d45"/>
+    <p:sldMasterId xmlns:r="http://schemas.openxmlformats.org/officeDocument/2006/relationships" id="2147483648" r:id="R52e1216491c34fc5"/>
   </p:sldMasterIdLst>
   <p:sldIdLst>
-    <p:sldId xmlns:r="http://schemas.openxmlformats.org/officeDocument/2006/relationships" id="257" r:id="Re27ff1220c43456d"/>
+    <p:sldId xmlns:r="http://schemas.openxmlformats.org/officeDocument/2006/relationships" id="257" r:id="R57c913b356754599"/>
   </p:sldIdLst>
   <p:sldSz cx="9144000" cy="6858000" type="screen4x3"/>
   <p:notesSz cx="6858000" cy="9144000"/>
@@ -119,7 +119,7 @@
             </a:lvl1pPr>
           </a:lstStyle>
           <a:p xmlns:a="http://schemas.openxmlformats.org/drawingml/2006/main">
-            <a:fld id="{28B45DEB-9B8E-4D98-8256-B133F8662C00}" type="slidenum">
+            <a:fld id="{3BA42B8A-207F-4BD7-A12F-457791672840}" type="slidenum">
               <a:t>‹#›</a:t>
             </a:fld>
           </a:p>
@@ -236,7 +236,7 @@
             </a:lvl1pPr>
           </a:lstStyle>
           <a:p xmlns:a="http://schemas.openxmlformats.org/drawingml/2006/main">
-            <a:fld id="{28B45DEB-9B8E-4D98-8256-B133F8662C00}" type="slidenum">
+            <a:fld id="{3BA42B8A-207F-4BD7-A12F-457791672840}" type="slidenum">
               <a:t>‹#›</a:t>
             </a:fld>
           </a:p>
@@ -246,19 +246,19 @@
   </p:cSld>
   <p:clrMap bg1="lt1" tx1="dk1" bg2="lt2" tx2="dk2" accent1="accent1" accent2="accent2" accent3="accent3" accent4="accent4" accent5="accent5" accent6="accent6" hlink="hlink" folHlink="folHlink"/>
   <p:sldLayoutIdLst>
-    <p:sldLayoutId xmlns:r="http://schemas.openxmlformats.org/officeDocument/2006/relationships" id="2147483650" r:id="Rd2d032a6f82d4253"/>
+    <p:sldLayoutId xmlns:r="http://schemas.openxmlformats.org/officeDocument/2006/relationships" id="2147483650" r:id="Rc53fd7b5b6024227"/>
   </p:sldLayoutIdLst>
   <p:txStyles>
     <p:titleStyle>
       <a:defPPr xmlns:a="http://schemas.openxmlformats.org/drawingml/2006/main">
-        <a:defRPr lang="ja-JP" altLang="en-US">
+        <a:defRPr lang="en-US" altLang="en-US">
           <a:solidFill>
             <a:schemeClr val="dk1"/>
           </a:solidFill>
         </a:defRPr>
       </a:defPPr>
       <a:lvl1pPr xmlns:a="http://schemas.openxmlformats.org/drawingml/2006/main">
-        <a:defRPr lang="ja-JP" altLang="en-US" sz="4400">
+        <a:defRPr lang="en-US" altLang="en-US" sz="4400">
           <a:solidFill>
             <a:schemeClr val="dk1"/>
           </a:solidFill>
@@ -270,7 +270,7 @@
     </p:titleStyle>
     <p:bodyStyle>
       <a:defPPr xmlns:a="http://schemas.openxmlformats.org/drawingml/2006/main">
-        <a:defRPr lang="ja-JP" altLang="en-US">
+        <a:defRPr lang="en-US" altLang="en-US">
           <a:solidFill>
             <a:schemeClr val="dk1"/>
           </a:solidFill>
@@ -278,7 +278,7 @@
       </a:defPPr>
       <a:lvl1pPr xmlns:a="http://schemas.openxmlformats.org/drawingml/2006/main" marL="355600" indent="-355600">
         <a:buChar char="•"/>
-        <a:defRPr lang="ja-JP" altLang="en-US" sz="2800">
+        <a:defRPr lang="en-US" altLang="en-US" sz="2800">
           <a:solidFill>
             <a:schemeClr val="dk1"/>
           </a:solidFill>
@@ -289,7 +289,7 @@
       </a:lvl1pPr>
       <a:lvl2pPr xmlns:a="http://schemas.openxmlformats.org/drawingml/2006/main" marL="660400" indent="-304800">
         <a:buChar char="⁃"/>
-        <a:defRPr lang="ja-JP" altLang="en-US" sz="2400">
+        <a:defRPr lang="en-US" altLang="en-US" sz="2400">
           <a:solidFill>
             <a:schemeClr val="dk1"/>
           </a:solidFill>
@@ -300,7 +300,7 @@
       </a:lvl2pPr>
       <a:lvl3pPr xmlns:a="http://schemas.openxmlformats.org/drawingml/2006/main" marL="914400" indent="-254000">
         <a:buChar char="*"/>
-        <a:defRPr lang="ja-JP" altLang="en-US" sz="2000">
+        <a:defRPr lang="en-US" altLang="en-US" sz="2000">
           <a:solidFill>
             <a:schemeClr val="dk1"/>
           </a:solidFill>
@@ -311,7 +311,7 @@
       </a:lvl3pPr>
       <a:lvl4pPr xmlns:a="http://schemas.openxmlformats.org/drawingml/2006/main" marL="1143000" indent="-228600">
         <a:buChar char="‣"/>
-        <a:defRPr lang="ja-JP" altLang="en-US" sz="1800">
+        <a:defRPr lang="en-US" altLang="en-US" sz="1800">
           <a:solidFill>
             <a:schemeClr val="dk1"/>
           </a:solidFill>
@@ -322,7 +322,7 @@
       </a:lvl4pPr>
       <a:lvl5pPr xmlns:a="http://schemas.openxmlformats.org/drawingml/2006/main" marL="1371600" indent="-228600">
         <a:buChar char="○"/>
-        <a:defRPr lang="ja-JP" altLang="en-US" sz="1800">
+        <a:defRPr lang="en-US" altLang="en-US" sz="1800">
           <a:solidFill>
             <a:schemeClr val="dk1"/>
           </a:solidFill>
@@ -333,7 +333,7 @@
       </a:lvl5pPr>
       <a:lvl6pPr xmlns:a="http://schemas.openxmlformats.org/drawingml/2006/main" marL="1600200" indent="-228600">
         <a:buChar char="○"/>
-        <a:defRPr lang="ja-JP" altLang="en-US" sz="1800">
+        <a:defRPr lang="en-US" altLang="en-US" sz="1800">
           <a:solidFill>
             <a:schemeClr val="dk1"/>
           </a:solidFill>
@@ -344,7 +344,7 @@
       </a:lvl6pPr>
       <a:lvl7pPr xmlns:a="http://schemas.openxmlformats.org/drawingml/2006/main" marL="1828800" indent="-228600">
         <a:buChar char="○"/>
-        <a:defRPr lang="ja-JP" altLang="en-US" sz="1800">
+        <a:defRPr lang="en-US" altLang="en-US" sz="1800">
           <a:solidFill>
             <a:schemeClr val="dk1"/>
           </a:solidFill>
@@ -355,7 +355,7 @@
       </a:lvl7pPr>
       <a:lvl8pPr xmlns:a="http://schemas.openxmlformats.org/drawingml/2006/main" marL="2057400" indent="-228600">
         <a:buChar char="○"/>
-        <a:defRPr lang="ja-JP" altLang="en-US" sz="1800">
+        <a:defRPr lang="en-US" altLang="en-US" sz="1800">
           <a:solidFill>
             <a:schemeClr val="dk1"/>
           </a:solidFill>
@@ -366,7 +366,7 @@
       </a:lvl8pPr>
       <a:lvl9pPr xmlns:a="http://schemas.openxmlformats.org/drawingml/2006/main" marL="2286000" indent="-228600">
         <a:buChar char="○"/>
-        <a:defRPr lang="ja-JP" altLang="en-US" sz="1800">
+        <a:defRPr lang="en-US" altLang="en-US" sz="1800">
           <a:solidFill>
             <a:schemeClr val="dk1"/>
           </a:solidFill>
@@ -591,7 +591,7 @@
       </c:txPr>
     </c:legend>
   </c:chart>
-  <c:externalData xmlns:r="http://schemas.openxmlformats.org/officeDocument/2006/relationships" r:id="Raafc1d6afe554115"/>
+  <c:externalData xmlns:r="http://schemas.openxmlformats.org/officeDocument/2006/relationships" r:id="R58b89973d9fa45db"/>
 </c:chartSpace>
 </file>
 
@@ -674,7 +674,7 @@
             </a:lvl1pPr>
           </a:lstStyle>
           <a:p xmlns:a="http://schemas.openxmlformats.org/drawingml/2006/main">
-            <a:fld id="{28B45DEB-9B8E-4D98-8256-B133F8662C00}" type="slidenum">
+            <a:fld id="{3BA42B8A-207F-4BD7-A12F-457791672840}" type="slidenum">
               <a:t>‹#›</a:t>
             </a:fld>
           </a:p>
@@ -694,7 +694,7 @@
         </p:xfrm>
         <a:graphic xmlns:a="http://schemas.openxmlformats.org/drawingml/2006/main">
           <a:graphicData uri="http://schemas.openxmlformats.org/drawingml/2006/chart">
-            <c:chart xmlns:r="http://schemas.openxmlformats.org/officeDocument/2006/relationships" xmlns:c="http://schemas.openxmlformats.org/drawingml/2006/chart" r:id="R11788fb780904ab5"/>
+            <c:chart xmlns:r="http://schemas.openxmlformats.org/officeDocument/2006/relationships" xmlns:c="http://schemas.openxmlformats.org/drawingml/2006/chart" r:id="Re3dbbc19ca424135"/>
           </a:graphicData>
         </a:graphic>
       </p:graphicFrame>
@@ -719,7 +719,7 @@
           </a:bodyPr>
           <a:lstStyle xmlns:a="http://schemas.openxmlformats.org/drawingml/2006/main">
             <a:defPPr>
-              <a:defRPr lang="ja-JP" altLang="en-US" sz="1800">
+              <a:defRPr lang="en-US" altLang="en-US" sz="1800">
                 <a:solidFill>
                   <a:schemeClr val="dk1"/>
                 </a:solidFill>
@@ -727,7 +727,7 @@
             </a:defPPr>
             <a:lvl1pPr marL="355600" indent="-355600">
               <a:buChar char="•"/>
-              <a:defRPr lang="ja-JP" altLang="en-US" sz="2800">
+              <a:defRPr lang="en-US" altLang="en-US" sz="2800">
                 <a:solidFill>
                   <a:schemeClr val="dk1"/>
                 </a:solidFill>
@@ -738,7 +738,7 @@
             </a:lvl1pPr>
             <a:lvl2pPr marL="660400" indent="-304800">
               <a:buChar char="⁃"/>
-              <a:defRPr lang="ja-JP" altLang="en-US" sz="2400">
+              <a:defRPr lang="en-US" altLang="en-US" sz="2400">
                 <a:solidFill>
                   <a:schemeClr val="dk1"/>
                 </a:solidFill>
@@ -749,7 +749,7 @@
             </a:lvl2pPr>
             <a:lvl3pPr marL="914400" indent="-254000">
               <a:buChar char="*"/>
-              <a:defRPr lang="ja-JP" altLang="en-US" sz="2000">
+              <a:defRPr lang="en-US" altLang="en-US" sz="2000">
                 <a:solidFill>
                   <a:schemeClr val="dk1"/>
                 </a:solidFill>
@@ -760,7 +760,7 @@
             </a:lvl3pPr>
             <a:lvl4pPr marL="1143000" indent="-228600">
               <a:buChar char="‣"/>
-              <a:defRPr lang="ja-JP" altLang="en-US" sz="1800">
+              <a:defRPr lang="en-US" altLang="en-US" sz="1800">
                 <a:solidFill>
                   <a:schemeClr val="dk1"/>
                 </a:solidFill>
@@ -771,7 +771,7 @@
             </a:lvl4pPr>
             <a:lvl5pPr marL="1371600" indent="-228600">
               <a:buChar char="○"/>
-              <a:defRPr lang="ja-JP" altLang="en-US" sz="1800">
+              <a:defRPr lang="en-US" altLang="en-US" sz="1800">
                 <a:solidFill>
                   <a:schemeClr val="dk1"/>
                 </a:solidFill>
@@ -782,7 +782,7 @@
             </a:lvl5pPr>
             <a:lvl6pPr marL="1600200" indent="-228600">
               <a:buChar char="○"/>
-              <a:defRPr lang="ja-JP" altLang="en-US" sz="1800">
+              <a:defRPr lang="en-US" altLang="en-US" sz="1800">
                 <a:solidFill>
                   <a:schemeClr val="dk1"/>
                 </a:solidFill>
@@ -793,7 +793,7 @@
             </a:lvl6pPr>
             <a:lvl7pPr marL="1828800" indent="-228600">
               <a:buChar char="○"/>
-              <a:defRPr lang="ja-JP" altLang="en-US" sz="1800">
+              <a:defRPr lang="en-US" altLang="en-US" sz="1800">
                 <a:solidFill>
                   <a:schemeClr val="dk1"/>
                 </a:solidFill>
@@ -804,7 +804,7 @@
             </a:lvl7pPr>
             <a:lvl8pPr marL="2057400" indent="-228600">
               <a:buChar char="○"/>
-              <a:defRPr lang="ja-JP" altLang="en-US" sz="1800">
+              <a:defRPr lang="en-US" altLang="en-US" sz="1800">
                 <a:solidFill>
                   <a:schemeClr val="dk1"/>
                 </a:solidFill>
@@ -815,7 +815,7 @@
             </a:lvl8pPr>
             <a:lvl9pPr marL="2286000" indent="-228600">
               <a:buChar char="○"/>
-              <a:defRPr lang="ja-JP" altLang="en-US" sz="1800">
+              <a:defRPr lang="en-US" altLang="en-US" sz="1800">
                 <a:solidFill>
                   <a:schemeClr val="dk1"/>
                 </a:solidFill>
